--- a/Group_13_Final_Presentation_Deck_IceCube_Neutrinos_in_Deep_Ice.pptx
+++ b/Group_13_Final_Presentation_Deck_IceCube_Neutrinos_in_Deep_Ice.pptx
@@ -202,7 +202,7 @@
           <a:p>
             <a:fld id="{19C8BF80-CE6B-4900-857F-FBB5487A17AE}" type="datetimeFigureOut">
               <a:rPr lang="en-US" smtClean="0"/>
-              <a:t>5/20/2025</a:t>
+              <a:t>5/21/2025</a:t>
             </a:fld>
             <a:endParaRPr lang="en-US"/>
           </a:p>
@@ -768,7 +768,7 @@
           <a:p>
             <a:fld id="{3F360F41-A19E-4730-A4CE-B39C0DF6705C}" type="datetime3">
               <a:rPr lang="en-US" smtClean="0"/>
-              <a:t>20 May 2025</a:t>
+              <a:t>21 May 2025</a:t>
             </a:fld>
             <a:endParaRPr lang="en-US"/>
           </a:p>
@@ -941,7 +941,7 @@
           <a:p>
             <a:fld id="{198F8A4E-5D44-400C-9CD8-C46436C1DBE7}" type="datetime3">
               <a:rPr lang="en-US" smtClean="0"/>
-              <a:t>20 May 2025</a:t>
+              <a:t>21 May 2025</a:t>
             </a:fld>
             <a:endParaRPr lang="en-US"/>
           </a:p>
@@ -1124,7 +1124,7 @@
           <a:p>
             <a:fld id="{58F1BA20-F877-415A-8485-E91F9E4FF35B}" type="datetime3">
               <a:rPr lang="en-US" smtClean="0"/>
-              <a:t>20 May 2025</a:t>
+              <a:t>21 May 2025</a:t>
             </a:fld>
             <a:endParaRPr lang="en-US"/>
           </a:p>
@@ -1297,7 +1297,7 @@
           <a:p>
             <a:fld id="{50683CA5-04BC-4F2D-A456-007DB4DDF499}" type="datetime3">
               <a:rPr lang="en-US" smtClean="0"/>
-              <a:t>20 May 2025</a:t>
+              <a:t>21 May 2025</a:t>
             </a:fld>
             <a:endParaRPr lang="en-US"/>
           </a:p>
@@ -1546,7 +1546,7 @@
           <a:p>
             <a:fld id="{12065D0D-5506-4200-8A73-C2E9205B247F}" type="datetime3">
               <a:rPr lang="en-US" smtClean="0"/>
-              <a:t>20 May 2025</a:t>
+              <a:t>21 May 2025</a:t>
             </a:fld>
             <a:endParaRPr lang="en-US"/>
           </a:p>
@@ -1781,7 +1781,7 @@
           <a:p>
             <a:fld id="{D43B0E3F-F882-4E71-9354-F24D2C814B41}" type="datetime3">
               <a:rPr lang="en-US" smtClean="0"/>
-              <a:t>20 May 2025</a:t>
+              <a:t>21 May 2025</a:t>
             </a:fld>
             <a:endParaRPr lang="en-US"/>
           </a:p>
@@ -2151,7 +2151,7 @@
           <a:p>
             <a:fld id="{3D4F45B5-8955-4B66-8717-B73A2AAF54E8}" type="datetime3">
               <a:rPr lang="en-US" smtClean="0"/>
-              <a:t>20 May 2025</a:t>
+              <a:t>21 May 2025</a:t>
             </a:fld>
             <a:endParaRPr lang="en-US"/>
           </a:p>
@@ -2272,7 +2272,7 @@
           <a:p>
             <a:fld id="{8F2BC098-04B4-48F9-A2A6-F1582226CC6F}" type="datetime3">
               <a:rPr lang="en-US" smtClean="0"/>
-              <a:t>20 May 2025</a:t>
+              <a:t>21 May 2025</a:t>
             </a:fld>
             <a:endParaRPr lang="en-US"/>
           </a:p>
@@ -2370,7 +2370,7 @@
           <a:p>
             <a:fld id="{85EFCAAF-F03B-4EFE-8E66-369194E09A9E}" type="datetime3">
               <a:rPr lang="en-US" smtClean="0"/>
-              <a:t>20 May 2025</a:t>
+              <a:t>21 May 2025</a:t>
             </a:fld>
             <a:endParaRPr lang="en-US"/>
           </a:p>
@@ -2650,7 +2650,7 @@
           <a:p>
             <a:fld id="{28A6D29A-8ADA-4514-929A-46FA795B4E6D}" type="datetime3">
               <a:rPr lang="en-US" smtClean="0"/>
-              <a:t>20 May 2025</a:t>
+              <a:t>21 May 2025</a:t>
             </a:fld>
             <a:endParaRPr lang="en-US"/>
           </a:p>
@@ -2910,7 +2910,7 @@
           <a:p>
             <a:fld id="{E9C21B35-6E8A-4EBE-8AA5-536196B0D26B}" type="datetime3">
               <a:rPr lang="en-US" smtClean="0"/>
-              <a:t>20 May 2025</a:t>
+              <a:t>21 May 2025</a:t>
             </a:fld>
             <a:endParaRPr lang="en-US"/>
           </a:p>
@@ -3126,7 +3126,7 @@
           <a:p>
             <a:fld id="{BCD89B85-D7EF-47E1-A850-E18AC964FC7D}" type="datetime3">
               <a:rPr lang="en-US" smtClean="0"/>
-              <a:t>20 May 2025</a:t>
+              <a:t>21 May 2025</a:t>
             </a:fld>
             <a:endParaRPr lang="en-US"/>
           </a:p>
@@ -4510,7 +4510,7 @@
           <a:p>
             <a:fld id="{099365C4-61E8-4769-B737-9C4072F7A6F0}" type="datetime3">
               <a:rPr lang="en-US" smtClean="0"/>
-              <a:t>20 May 2025</a:t>
+              <a:t>21 May 2025</a:t>
             </a:fld>
             <a:endParaRPr lang="en-US" dirty="0"/>
           </a:p>
@@ -4852,7 +4852,7 @@
           <a:p>
             <a:fld id="{D9D52A69-C8A3-44F6-833D-6190C7E01925}" type="datetime3">
               <a:rPr lang="en-US" smtClean="0"/>
-              <a:t>20 May 2025</a:t>
+              <a:t>21 May 2025</a:t>
             </a:fld>
             <a:endParaRPr lang="en-US"/>
           </a:p>
@@ -6220,7 +6220,7 @@
           <a:p>
             <a:fld id="{F6CDCADA-A579-4427-B891-EEF2E5E6FA70}" type="datetime3">
               <a:rPr lang="en-US" smtClean="0"/>
-              <a:t>20 May 2025</a:t>
+              <a:t>21 May 2025</a:t>
             </a:fld>
             <a:endParaRPr lang="en-US"/>
           </a:p>
@@ -6320,11 +6320,17 @@
           <p:cNvGraphicFramePr>
             <a:graphicFrameLocks/>
           </p:cNvGraphicFramePr>
-          <p:nvPr/>
+          <p:nvPr>
+            <p:extLst>
+              <p:ext uri="{D42A27DB-BD31-4B8C-83A1-F6EECF244321}">
+                <p14:modId xmlns:p14="http://schemas.microsoft.com/office/powerpoint/2010/main" val="3968058176"/>
+              </p:ext>
+            </p:extLst>
+          </p:nvPr>
         </p:nvGraphicFramePr>
         <p:xfrm>
           <a:off x="838200" y="1580064"/>
-          <a:ext cx="10515601" cy="4438769"/>
+          <a:ext cx="10515601" cy="4624633"/>
         </p:xfrm>
         <a:graphic>
           <a:graphicData uri="http://schemas.openxmlformats.org/drawingml/2006/table">
@@ -6471,6 +6477,58 @@
                       <a:r>
                         <a:rPr lang="de-CH" sz="1400" dirty="0"/>
                         <a:t> Checks of Code Quality</a:t>
+                      </a:r>
+                    </a:p>
+                    <a:p>
+                      <a:pPr marL="285750" indent="-285750">
+                        <a:buFont typeface="Arial" panose="020B0604020202020204" pitchFamily="34" charset="0"/>
+                        <a:buChar char="•"/>
+                      </a:pPr>
+                      <a:r>
+                        <a:rPr lang="de-CH" sz="1400" dirty="0" err="1"/>
+                        <a:t>Automatic</a:t>
+                      </a:r>
+                      <a:r>
+                        <a:rPr lang="de-CH" sz="1400" dirty="0"/>
+                        <a:t> requirments.txt check and update</a:t>
+                      </a:r>
+                    </a:p>
+                    <a:p>
+                      <a:pPr marL="285750" indent="-285750">
+                        <a:buFont typeface="Arial" panose="020B0604020202020204" pitchFamily="34" charset="0"/>
+                        <a:buChar char="•"/>
+                      </a:pPr>
+                      <a:r>
+                        <a:rPr lang="de-CH" sz="1400" dirty="0" err="1"/>
+                        <a:t>Automatic</a:t>
+                      </a:r>
+                      <a:r>
+                        <a:rPr lang="de-CH" sz="1400" dirty="0"/>
+                        <a:t> Container </a:t>
+                      </a:r>
+                      <a:r>
+                        <a:rPr lang="de-CH" sz="1400" dirty="0" err="1"/>
+                        <a:t>Build</a:t>
+                      </a:r>
+                      <a:r>
+                        <a:rPr lang="de-CH" sz="1400" dirty="0"/>
+                        <a:t> and </a:t>
+                      </a:r>
+                      <a:r>
+                        <a:rPr lang="de-CH" sz="1400" dirty="0" err="1"/>
+                        <a:t>upload</a:t>
+                      </a:r>
+                      <a:r>
+                        <a:rPr lang="de-CH" sz="1400" dirty="0"/>
+                        <a:t> </a:t>
+                      </a:r>
+                      <a:r>
+                        <a:rPr lang="de-CH" sz="1400" dirty="0" err="1"/>
+                        <a:t>to</a:t>
+                      </a:r>
+                      <a:r>
+                        <a:rPr lang="de-CH" sz="1400"/>
+                        <a:t> GHCR</a:t>
                       </a:r>
                       <a:endParaRPr lang="en-US" sz="1400" dirty="0"/>
                     </a:p>
@@ -6945,7 +7003,7 @@
           <a:p>
             <a:fld id="{F6CDCADA-A579-4427-B891-EEF2E5E6FA70}" type="datetime3">
               <a:rPr lang="en-US" smtClean="0"/>
-              <a:t>20 May 2025</a:t>
+              <a:t>21 May 2025</a:t>
             </a:fld>
             <a:endParaRPr lang="en-US"/>
           </a:p>
@@ -7614,7 +7672,7 @@
           <a:p>
             <a:fld id="{E394C287-A90C-47C5-8A95-3D3DD8AD3500}" type="datetime3">
               <a:rPr lang="en-US" smtClean="0"/>
-              <a:t>20 May 2025</a:t>
+              <a:t>21 May 2025</a:t>
             </a:fld>
             <a:endParaRPr lang="en-US"/>
           </a:p>
@@ -8321,12 +8379,11 @@
 </file>
 
 <file path=customXml/item1.xml><?xml version="1.0" encoding="utf-8"?>
-<?mso-contentType ?>
-<FormTemplates xmlns="http://schemas.microsoft.com/sharepoint/v3/contenttype/forms">
-  <Display>DocumentLibraryForm</Display>
-  <Edit>DocumentLibraryForm</Edit>
-  <New>DocumentLibraryForm</New>
-</FormTemplates>
+<p:properties xmlns:p="http://schemas.microsoft.com/office/2006/metadata/properties" xmlns:xsi="http://www.w3.org/2001/XMLSchema-instance" xmlns:pc="http://schemas.microsoft.com/office/infopath/2007/PartnerControls">
+  <documentManagement>
+    <_activity xmlns="e5587986-081c-457d-96a2-b86e1f26b850" xsi:nil="true"/>
+  </documentManagement>
+</p:properties>
 </file>
 
 <file path=customXml/item2.xml><?xml version="1.0" encoding="utf-8"?>
@@ -8569,17 +8626,27 @@
 </file>
 
 <file path=customXml/item3.xml><?xml version="1.0" encoding="utf-8"?>
-<p:properties xmlns:p="http://schemas.microsoft.com/office/2006/metadata/properties" xmlns:xsi="http://www.w3.org/2001/XMLSchema-instance" xmlns:pc="http://schemas.microsoft.com/office/infopath/2007/PartnerControls">
-  <documentManagement>
-    <_activity xmlns="e5587986-081c-457d-96a2-b86e1f26b850" xsi:nil="true"/>
-  </documentManagement>
-</p:properties>
+<?mso-contentType ?>
+<FormTemplates xmlns="http://schemas.microsoft.com/sharepoint/v3/contenttype/forms">
+  <Display>DocumentLibraryForm</Display>
+  <Edit>DocumentLibraryForm</Edit>
+  <New>DocumentLibraryForm</New>
+</FormTemplates>
 </file>
 
 <file path=customXml/itemProps1.xml><?xml version="1.0" encoding="utf-8"?>
-<ds:datastoreItem xmlns:ds="http://schemas.openxmlformats.org/officeDocument/2006/customXml" ds:itemID="{CBF61D78-2274-4297-A1E0-D149A81DF265}">
+<ds:datastoreItem xmlns:ds="http://schemas.openxmlformats.org/officeDocument/2006/customXml" ds:itemID="{F7375FDA-8DC8-4F39-B90D-DA5846B4A646}">
   <ds:schemaRefs>
-    <ds:schemaRef ds:uri="http://schemas.microsoft.com/sharepoint/v3/contenttype/forms"/>
+    <ds:schemaRef ds:uri="http://purl.org/dc/dcmitype/"/>
+    <ds:schemaRef ds:uri="http://www.w3.org/XML/1998/namespace"/>
+    <ds:schemaRef ds:uri="http://purl.org/dc/elements/1.1/"/>
+    <ds:schemaRef ds:uri="http://schemas.openxmlformats.org/package/2006/metadata/core-properties"/>
+    <ds:schemaRef ds:uri="http://schemas.microsoft.com/office/2006/metadata/properties"/>
+    <ds:schemaRef ds:uri="http://schemas.microsoft.com/office/2006/documentManagement/types"/>
+    <ds:schemaRef ds:uri="http://purl.org/dc/terms/"/>
+    <ds:schemaRef ds:uri="e5587986-081c-457d-96a2-b86e1f26b850"/>
+    <ds:schemaRef ds:uri="http://schemas.microsoft.com/office/infopath/2007/PartnerControls"/>
+    <ds:schemaRef ds:uri="d8beb1f9-b3ec-4b3e-9199-701cacd11a3b"/>
   </ds:schemaRefs>
 </ds:datastoreItem>
 </file>
@@ -8604,18 +8671,9 @@
 </file>
 
 <file path=customXml/itemProps3.xml><?xml version="1.0" encoding="utf-8"?>
-<ds:datastoreItem xmlns:ds="http://schemas.openxmlformats.org/officeDocument/2006/customXml" ds:itemID="{F7375FDA-8DC8-4F39-B90D-DA5846B4A646}">
+<ds:datastoreItem xmlns:ds="http://schemas.openxmlformats.org/officeDocument/2006/customXml" ds:itemID="{CBF61D78-2274-4297-A1E0-D149A81DF265}">
   <ds:schemaRefs>
-    <ds:schemaRef ds:uri="http://purl.org/dc/dcmitype/"/>
-    <ds:schemaRef ds:uri="http://www.w3.org/XML/1998/namespace"/>
-    <ds:schemaRef ds:uri="http://purl.org/dc/elements/1.1/"/>
-    <ds:schemaRef ds:uri="http://schemas.openxmlformats.org/package/2006/metadata/core-properties"/>
-    <ds:schemaRef ds:uri="http://schemas.microsoft.com/office/2006/metadata/properties"/>
-    <ds:schemaRef ds:uri="http://schemas.microsoft.com/office/2006/documentManagement/types"/>
-    <ds:schemaRef ds:uri="http://purl.org/dc/terms/"/>
-    <ds:schemaRef ds:uri="e5587986-081c-457d-96a2-b86e1f26b850"/>
-    <ds:schemaRef ds:uri="http://schemas.microsoft.com/office/infopath/2007/PartnerControls"/>
-    <ds:schemaRef ds:uri="d8beb1f9-b3ec-4b3e-9199-701cacd11a3b"/>
+    <ds:schemaRef ds:uri="http://schemas.microsoft.com/sharepoint/v3/contenttype/forms"/>
   </ds:schemaRefs>
 </ds:datastoreItem>
 </file>
--- a/Group_13_Final_Presentation_Deck_IceCube_Neutrinos_in_Deep_Ice.pptx
+++ b/Group_13_Final_Presentation_Deck_IceCube_Neutrinos_in_Deep_Ice.pptx
@@ -3978,7 +3978,7 @@
             <a:pPr algn="l"/>
             <a:r>
               <a:rPr lang="en-US" sz="2200" dirty="0"/>
-              <a:t>Group 13</a:t>
+              <a:t>Group 12</a:t>
             </a:r>
           </a:p>
           <a:p>
@@ -6323,7 +6323,7 @@
           <p:nvPr>
             <p:extLst>
               <p:ext uri="{D42A27DB-BD31-4B8C-83A1-F6EECF244321}">
-                <p14:modId xmlns:p14="http://schemas.microsoft.com/office/powerpoint/2010/main" val="3968058176"/>
+                <p14:modId xmlns:p14="http://schemas.microsoft.com/office/powerpoint/2010/main" val="3764353411"/>
               </p:ext>
             </p:extLst>
           </p:nvPr>
@@ -6490,8 +6490,13 @@
                       </a:r>
                       <a:r>
                         <a:rPr lang="de-CH" sz="1400" dirty="0"/>
-                        <a:t> requirments.txt check and update</a:t>
+                        <a:t> requirments.txt check and update </a:t>
                       </a:r>
+                      <a:r>
+                        <a:rPr lang="de-CH" sz="1400"/>
+                        <a:t>(Experimental)</a:t>
+                      </a:r>
+                      <a:endParaRPr lang="de-CH" sz="1400" dirty="0"/>
                     </a:p>
                     <a:p>
                       <a:pPr marL="285750" indent="-285750">
@@ -6527,7 +6532,7 @@
                         <a:t>to</a:t>
                       </a:r>
                       <a:r>
-                        <a:rPr lang="de-CH" sz="1400"/>
+                        <a:rPr lang="de-CH" sz="1400" dirty="0"/>
                         <a:t> GHCR</a:t>
                       </a:r>
                       <a:endParaRPr lang="en-US" sz="1400" dirty="0"/>
@@ -8379,11 +8384,12 @@
 </file>
 
 <file path=customXml/item1.xml><?xml version="1.0" encoding="utf-8"?>
-<p:properties xmlns:p="http://schemas.microsoft.com/office/2006/metadata/properties" xmlns:xsi="http://www.w3.org/2001/XMLSchema-instance" xmlns:pc="http://schemas.microsoft.com/office/infopath/2007/PartnerControls">
-  <documentManagement>
-    <_activity xmlns="e5587986-081c-457d-96a2-b86e1f26b850" xsi:nil="true"/>
-  </documentManagement>
-</p:properties>
+<?mso-contentType ?>
+<FormTemplates xmlns="http://schemas.microsoft.com/sharepoint/v3/contenttype/forms">
+  <Display>DocumentLibraryForm</Display>
+  <Edit>DocumentLibraryForm</Edit>
+  <New>DocumentLibraryForm</New>
+</FormTemplates>
 </file>
 
 <file path=customXml/item2.xml><?xml version="1.0" encoding="utf-8"?>
@@ -8626,27 +8632,17 @@
 </file>
 
 <file path=customXml/item3.xml><?xml version="1.0" encoding="utf-8"?>
-<?mso-contentType ?>
-<FormTemplates xmlns="http://schemas.microsoft.com/sharepoint/v3/contenttype/forms">
-  <Display>DocumentLibraryForm</Display>
-  <Edit>DocumentLibraryForm</Edit>
-  <New>DocumentLibraryForm</New>
-</FormTemplates>
+<p:properties xmlns:p="http://schemas.microsoft.com/office/2006/metadata/properties" xmlns:xsi="http://www.w3.org/2001/XMLSchema-instance" xmlns:pc="http://schemas.microsoft.com/office/infopath/2007/PartnerControls">
+  <documentManagement>
+    <_activity xmlns="e5587986-081c-457d-96a2-b86e1f26b850" xsi:nil="true"/>
+  </documentManagement>
+</p:properties>
 </file>
 
 <file path=customXml/itemProps1.xml><?xml version="1.0" encoding="utf-8"?>
-<ds:datastoreItem xmlns:ds="http://schemas.openxmlformats.org/officeDocument/2006/customXml" ds:itemID="{F7375FDA-8DC8-4F39-B90D-DA5846B4A646}">
+<ds:datastoreItem xmlns:ds="http://schemas.openxmlformats.org/officeDocument/2006/customXml" ds:itemID="{CBF61D78-2274-4297-A1E0-D149A81DF265}">
   <ds:schemaRefs>
-    <ds:schemaRef ds:uri="http://purl.org/dc/dcmitype/"/>
-    <ds:schemaRef ds:uri="http://www.w3.org/XML/1998/namespace"/>
-    <ds:schemaRef ds:uri="http://purl.org/dc/elements/1.1/"/>
-    <ds:schemaRef ds:uri="http://schemas.openxmlformats.org/package/2006/metadata/core-properties"/>
-    <ds:schemaRef ds:uri="http://schemas.microsoft.com/office/2006/metadata/properties"/>
-    <ds:schemaRef ds:uri="http://schemas.microsoft.com/office/2006/documentManagement/types"/>
-    <ds:schemaRef ds:uri="http://purl.org/dc/terms/"/>
-    <ds:schemaRef ds:uri="e5587986-081c-457d-96a2-b86e1f26b850"/>
-    <ds:schemaRef ds:uri="http://schemas.microsoft.com/office/infopath/2007/PartnerControls"/>
-    <ds:schemaRef ds:uri="d8beb1f9-b3ec-4b3e-9199-701cacd11a3b"/>
+    <ds:schemaRef ds:uri="http://schemas.microsoft.com/sharepoint/v3/contenttype/forms"/>
   </ds:schemaRefs>
 </ds:datastoreItem>
 </file>
@@ -8671,9 +8667,18 @@
 </file>
 
 <file path=customXml/itemProps3.xml><?xml version="1.0" encoding="utf-8"?>
-<ds:datastoreItem xmlns:ds="http://schemas.openxmlformats.org/officeDocument/2006/customXml" ds:itemID="{CBF61D78-2274-4297-A1E0-D149A81DF265}">
+<ds:datastoreItem xmlns:ds="http://schemas.openxmlformats.org/officeDocument/2006/customXml" ds:itemID="{F7375FDA-8DC8-4F39-B90D-DA5846B4A646}">
   <ds:schemaRefs>
-    <ds:schemaRef ds:uri="http://schemas.microsoft.com/sharepoint/v3/contenttype/forms"/>
+    <ds:schemaRef ds:uri="http://purl.org/dc/dcmitype/"/>
+    <ds:schemaRef ds:uri="http://www.w3.org/XML/1998/namespace"/>
+    <ds:schemaRef ds:uri="http://purl.org/dc/elements/1.1/"/>
+    <ds:schemaRef ds:uri="http://schemas.openxmlformats.org/package/2006/metadata/core-properties"/>
+    <ds:schemaRef ds:uri="http://schemas.microsoft.com/office/2006/metadata/properties"/>
+    <ds:schemaRef ds:uri="http://schemas.microsoft.com/office/2006/documentManagement/types"/>
+    <ds:schemaRef ds:uri="http://purl.org/dc/terms/"/>
+    <ds:schemaRef ds:uri="e5587986-081c-457d-96a2-b86e1f26b850"/>
+    <ds:schemaRef ds:uri="http://schemas.microsoft.com/office/infopath/2007/PartnerControls"/>
+    <ds:schemaRef ds:uri="d8beb1f9-b3ec-4b3e-9199-701cacd11a3b"/>
   </ds:schemaRefs>
 </ds:datastoreItem>
 </file>